--- a/flocktory.pptx
+++ b/flocktory.pptx
@@ -11,8 +11,11 @@
     <p:sldId id="258" r:id="rId5"/>
     <p:sldId id="259" r:id="rId6"/>
     <p:sldId id="260" r:id="rId7"/>
-    <p:sldId id="261" r:id="rId8"/>
-    <p:sldId id="262" r:id="rId9"/>
+    <p:sldId id="266" r:id="rId8"/>
+    <p:sldId id="265" r:id="rId9"/>
+    <p:sldId id="264" r:id="rId10"/>
+    <p:sldId id="267" r:id="rId11"/>
+    <p:sldId id="262" r:id="rId12"/>
   </p:sldIdLst>
   <p:sldSz cx="12192000" cy="6858000"/>
   <p:notesSz cx="6858000" cy="9144000"/>
@@ -289,7 +292,7 @@
           <a:p>
             <a:fld id="{48A87A34-81AB-432B-8DAE-1953F412C126}" type="datetimeFigureOut">
               <a:rPr lang="en-US" dirty="0"/>
-              <a:t>12/17/2023</a:t>
+              <a:t>12/22/2023</a:t>
             </a:fld>
             <a:endParaRPr lang="en-US" dirty="0"/>
           </a:p>
@@ -551,7 +554,7 @@
           <a:p>
             <a:fld id="{48A87A34-81AB-432B-8DAE-1953F412C126}" type="datetimeFigureOut">
               <a:rPr lang="en-US" dirty="0"/>
-              <a:t>12/17/2023</a:t>
+              <a:t>12/22/2023</a:t>
             </a:fld>
             <a:endParaRPr lang="en-US" dirty="0"/>
           </a:p>
@@ -778,7 +781,7 @@
             <a:fld id="{48A87A34-81AB-432B-8DAE-1953F412C126}" type="datetimeFigureOut">
               <a:rPr lang="en-US" dirty="0"/>
               <a:pPr/>
-              <a:t>12/17/2023</a:t>
+              <a:t>12/22/2023</a:t>
             </a:fld>
             <a:endParaRPr lang="en-US" dirty="0"/>
           </a:p>
@@ -1084,7 +1087,7 @@
             <a:fld id="{48A87A34-81AB-432B-8DAE-1953F412C126}" type="datetimeFigureOut">
               <a:rPr lang="en-US" dirty="0"/>
               <a:pPr/>
-              <a:t>12/17/2023</a:t>
+              <a:t>12/22/2023</a:t>
             </a:fld>
             <a:endParaRPr lang="en-US" dirty="0"/>
           </a:p>
@@ -1553,7 +1556,7 @@
             <a:fld id="{48A87A34-81AB-432B-8DAE-1953F412C126}" type="datetimeFigureOut">
               <a:rPr lang="en-US" dirty="0"/>
               <a:pPr/>
-              <a:t>12/17/2023</a:t>
+              <a:t>12/22/2023</a:t>
             </a:fld>
             <a:endParaRPr lang="en-US" dirty="0"/>
           </a:p>
@@ -2095,7 +2098,7 @@
           <a:p>
             <a:fld id="{48A87A34-81AB-432B-8DAE-1953F412C126}" type="datetimeFigureOut">
               <a:rPr lang="en-US" dirty="0"/>
-              <a:t>12/17/2023</a:t>
+              <a:t>12/22/2023</a:t>
             </a:fld>
             <a:endParaRPr lang="en-US" dirty="0"/>
           </a:p>
@@ -2864,7 +2867,7 @@
           <a:p>
             <a:fld id="{48A87A34-81AB-432B-8DAE-1953F412C126}" type="datetimeFigureOut">
               <a:rPr lang="en-US" dirty="0"/>
-              <a:t>12/17/2023</a:t>
+              <a:t>12/22/2023</a:t>
             </a:fld>
             <a:endParaRPr lang="en-US" dirty="0"/>
           </a:p>
@@ -3034,7 +3037,7 @@
           <a:p>
             <a:fld id="{48A87A34-81AB-432B-8DAE-1953F412C126}" type="datetimeFigureOut">
               <a:rPr lang="en-US" dirty="0"/>
-              <a:t>12/17/2023</a:t>
+              <a:t>12/22/2023</a:t>
             </a:fld>
             <a:endParaRPr lang="en-US" dirty="0"/>
           </a:p>
@@ -3253,7 +3256,7 @@
             <a:fld id="{48A87A34-81AB-432B-8DAE-1953F412C126}" type="datetimeFigureOut">
               <a:rPr lang="en-US" dirty="0"/>
               <a:pPr/>
-              <a:t>12/17/2023</a:t>
+              <a:t>12/22/2023</a:t>
             </a:fld>
             <a:endParaRPr lang="en-US" dirty="0"/>
           </a:p>
@@ -3428,7 +3431,7 @@
           <a:p>
             <a:fld id="{48A87A34-81AB-432B-8DAE-1953F412C126}" type="datetimeFigureOut">
               <a:rPr lang="en-US" dirty="0"/>
-              <a:t>12/17/2023</a:t>
+              <a:t>12/22/2023</a:t>
             </a:fld>
             <a:endParaRPr lang="en-US" dirty="0"/>
           </a:p>
@@ -3713,7 +3716,7 @@
             <a:fld id="{48A87A34-81AB-432B-8DAE-1953F412C126}" type="datetimeFigureOut">
               <a:rPr lang="en-US" dirty="0"/>
               <a:pPr/>
-              <a:t>12/17/2023</a:t>
+              <a:t>12/22/2023</a:t>
             </a:fld>
             <a:endParaRPr lang="en-US" dirty="0"/>
           </a:p>
@@ -3950,7 +3953,7 @@
           <a:p>
             <a:fld id="{48A87A34-81AB-432B-8DAE-1953F412C126}" type="datetimeFigureOut">
               <a:rPr lang="en-US" dirty="0"/>
-              <a:t>12/17/2023</a:t>
+              <a:t>12/22/2023</a:t>
             </a:fld>
             <a:endParaRPr lang="en-US" dirty="0"/>
           </a:p>
@@ -4324,7 +4327,7 @@
           <a:p>
             <a:fld id="{48A87A34-81AB-432B-8DAE-1953F412C126}" type="datetimeFigureOut">
               <a:rPr lang="en-US" dirty="0"/>
-              <a:t>12/17/2023</a:t>
+              <a:t>12/22/2023</a:t>
             </a:fld>
             <a:endParaRPr lang="en-US" dirty="0"/>
           </a:p>
@@ -4437,7 +4440,7 @@
           <a:p>
             <a:fld id="{48A87A34-81AB-432B-8DAE-1953F412C126}" type="datetimeFigureOut">
               <a:rPr lang="en-US" dirty="0"/>
-              <a:t>12/17/2023</a:t>
+              <a:t>12/22/2023</a:t>
             </a:fld>
             <a:endParaRPr lang="en-US" dirty="0"/>
           </a:p>
@@ -4527,7 +4530,7 @@
           <a:p>
             <a:fld id="{48A87A34-81AB-432B-8DAE-1953F412C126}" type="datetimeFigureOut">
               <a:rPr lang="en-US" dirty="0"/>
-              <a:t>12/17/2023</a:t>
+              <a:t>12/22/2023</a:t>
             </a:fld>
             <a:endParaRPr lang="en-US" dirty="0"/>
           </a:p>
@@ -4771,7 +4774,7 @@
           <a:p>
             <a:fld id="{48A87A34-81AB-432B-8DAE-1953F412C126}" type="datetimeFigureOut">
               <a:rPr lang="en-US" dirty="0"/>
-              <a:t>12/17/2023</a:t>
+              <a:t>12/22/2023</a:t>
             </a:fld>
             <a:endParaRPr lang="en-US" dirty="0"/>
           </a:p>
@@ -5023,7 +5026,7 @@
           <a:p>
             <a:fld id="{48A87A34-81AB-432B-8DAE-1953F412C126}" type="datetimeFigureOut">
               <a:rPr lang="en-US" dirty="0"/>
-              <a:t>12/17/2023</a:t>
+              <a:t>12/22/2023</a:t>
             </a:fld>
             <a:endParaRPr lang="en-US" dirty="0"/>
           </a:p>
@@ -5262,7 +5265,7 @@
             <a:fld id="{48A87A34-81AB-432B-8DAE-1953F412C126}" type="datetimeFigureOut">
               <a:rPr lang="en-US" dirty="0"/>
               <a:pPr/>
-              <a:t>12/17/2023</a:t>
+              <a:t>12/22/2023</a:t>
             </a:fld>
             <a:endParaRPr lang="en-US" dirty="0"/>
           </a:p>
@@ -5755,6 +5758,202 @@
 </p:sld>
 </file>
 
+<file path=ppt/slides/slide10.xml><?xml version="1.0" encoding="utf-8"?>
+<p:sld xmlns:a="http://schemas.openxmlformats.org/drawingml/2006/main" xmlns:r="http://schemas.openxmlformats.org/officeDocument/2006/relationships" xmlns:p="http://schemas.openxmlformats.org/presentationml/2006/main">
+  <p:cSld>
+    <p:spTree>
+      <p:nvGrpSpPr>
+        <p:cNvPr id="1" name=""/>
+        <p:cNvGrpSpPr/>
+        <p:nvPr/>
+      </p:nvGrpSpPr>
+      <p:grpSpPr>
+        <a:xfrm>
+          <a:off x="0" y="0"/>
+          <a:ext cx="0" cy="0"/>
+          <a:chOff x="0" y="0"/>
+          <a:chExt cx="0" cy="0"/>
+        </a:xfrm>
+      </p:grpSpPr>
+      <p:sp>
+        <p:nvSpPr>
+          <p:cNvPr id="2" name="Title 1">
+            <a:extLst>
+              <a:ext uri="{FF2B5EF4-FFF2-40B4-BE49-F238E27FC236}">
+                <a16:creationId xmlns:a16="http://schemas.microsoft.com/office/drawing/2014/main" id="{F50A4ACC-693B-1FFE-2B19-9E7107D42BC1}"/>
+              </a:ext>
+            </a:extLst>
+          </p:cNvPr>
+          <p:cNvSpPr>
+            <a:spLocks noGrp="1"/>
+          </p:cNvSpPr>
+          <p:nvPr>
+            <p:ph type="title"/>
+          </p:nvPr>
+        </p:nvSpPr>
+        <p:spPr/>
+        <p:txBody>
+          <a:bodyPr/>
+          <a:lstStyle/>
+          <a:p>
+            <a:r>
+              <a:rPr lang="ru-RU" dirty="0"/>
+              <a:t>Нейронная сеть</a:t>
+            </a:r>
+          </a:p>
+        </p:txBody>
+      </p:sp>
+      <p:sp>
+        <p:nvSpPr>
+          <p:cNvPr id="3" name="Content Placeholder 2">
+            <a:extLst>
+              <a:ext uri="{FF2B5EF4-FFF2-40B4-BE49-F238E27FC236}">
+                <a16:creationId xmlns:a16="http://schemas.microsoft.com/office/drawing/2014/main" id="{80F32030-DA0A-CA52-F08D-F86182337D67}"/>
+              </a:ext>
+            </a:extLst>
+          </p:cNvPr>
+          <p:cNvSpPr>
+            <a:spLocks noGrp="1"/>
+          </p:cNvSpPr>
+          <p:nvPr>
+            <p:ph idx="1"/>
+          </p:nvPr>
+        </p:nvSpPr>
+        <p:spPr/>
+        <p:txBody>
+          <a:bodyPr>
+            <a:normAutofit/>
+          </a:bodyPr>
+          <a:lstStyle/>
+          <a:p>
+            <a:r>
+              <a:rPr lang="ru-RU" dirty="0"/>
+              <a:t>Протестировали простые варианты </a:t>
+            </a:r>
+            <a:r>
+              <a:rPr lang="ru-RU" dirty="0" err="1"/>
+              <a:t>полносвязных</a:t>
+            </a:r>
+            <a:r>
+              <a:rPr lang="ru-RU" dirty="0"/>
+              <a:t> сетей с </a:t>
+            </a:r>
+            <a:r>
+              <a:rPr lang="ru-RU" dirty="0" err="1"/>
+              <a:t>дропаутом</a:t>
+            </a:r>
+            <a:endParaRPr lang="ru-RU" dirty="0"/>
+          </a:p>
+          <a:p>
+            <a:r>
+              <a:rPr lang="ru-RU" dirty="0"/>
+              <a:t>Есть потенциал для роста метрики</a:t>
+            </a:r>
+          </a:p>
+        </p:txBody>
+      </p:sp>
+    </p:spTree>
+    <p:extLst>
+      <p:ext uri="{BB962C8B-B14F-4D97-AF65-F5344CB8AC3E}">
+        <p14:creationId xmlns:p14="http://schemas.microsoft.com/office/powerpoint/2010/main" val="73540816"/>
+      </p:ext>
+    </p:extLst>
+  </p:cSld>
+  <p:clrMapOvr>
+    <a:masterClrMapping/>
+  </p:clrMapOvr>
+</p:sld>
+</file>
+
+<file path=ppt/slides/slide11.xml><?xml version="1.0" encoding="utf-8"?>
+<p:sld xmlns:a="http://schemas.openxmlformats.org/drawingml/2006/main" xmlns:r="http://schemas.openxmlformats.org/officeDocument/2006/relationships" xmlns:p="http://schemas.openxmlformats.org/presentationml/2006/main">
+  <p:cSld>
+    <p:spTree>
+      <p:nvGrpSpPr>
+        <p:cNvPr id="1" name=""/>
+        <p:cNvGrpSpPr/>
+        <p:nvPr/>
+      </p:nvGrpSpPr>
+      <p:grpSpPr>
+        <a:xfrm>
+          <a:off x="0" y="0"/>
+          <a:ext cx="0" cy="0"/>
+          <a:chOff x="0" y="0"/>
+          <a:chExt cx="0" cy="0"/>
+        </a:xfrm>
+      </p:grpSpPr>
+      <p:sp>
+        <p:nvSpPr>
+          <p:cNvPr id="2" name="Title 1">
+            <a:extLst>
+              <a:ext uri="{FF2B5EF4-FFF2-40B4-BE49-F238E27FC236}">
+                <a16:creationId xmlns:a16="http://schemas.microsoft.com/office/drawing/2014/main" id="{9FA25D26-CD16-0D03-78D4-E06107C1D7B9}"/>
+              </a:ext>
+            </a:extLst>
+          </p:cNvPr>
+          <p:cNvSpPr>
+            <a:spLocks noGrp="1"/>
+          </p:cNvSpPr>
+          <p:nvPr>
+            <p:ph type="title"/>
+          </p:nvPr>
+        </p:nvSpPr>
+        <p:spPr/>
+        <p:txBody>
+          <a:bodyPr/>
+          <a:lstStyle/>
+          <a:p>
+            <a:r>
+              <a:rPr lang="ru-RU" dirty="0"/>
+              <a:t>Спасибо за внимание!</a:t>
+            </a:r>
+          </a:p>
+        </p:txBody>
+      </p:sp>
+      <p:sp>
+        <p:nvSpPr>
+          <p:cNvPr id="3" name="Content Placeholder 2">
+            <a:extLst>
+              <a:ext uri="{FF2B5EF4-FFF2-40B4-BE49-F238E27FC236}">
+                <a16:creationId xmlns:a16="http://schemas.microsoft.com/office/drawing/2014/main" id="{73367271-E6C6-757B-4AA3-5354C0E6002B}"/>
+              </a:ext>
+            </a:extLst>
+          </p:cNvPr>
+          <p:cNvSpPr>
+            <a:spLocks noGrp="1"/>
+          </p:cNvSpPr>
+          <p:nvPr>
+            <p:ph idx="1"/>
+          </p:nvPr>
+        </p:nvSpPr>
+        <p:spPr/>
+        <p:txBody>
+          <a:bodyPr/>
+          <a:lstStyle/>
+          <a:p>
+            <a:r>
+              <a:rPr lang="en-US" dirty="0">
+                <a:hlinkClick r:id="rId2"/>
+              </a:rPr>
+              <a:t>https://github.com/loseff-n/flocktory</a:t>
+            </a:r>
+            <a:endParaRPr lang="ru-RU" dirty="0"/>
+          </a:p>
+        </p:txBody>
+      </p:sp>
+    </p:spTree>
+    <p:extLst>
+      <p:ext uri="{BB962C8B-B14F-4D97-AF65-F5344CB8AC3E}">
+        <p14:creationId xmlns:p14="http://schemas.microsoft.com/office/powerpoint/2010/main" val="875740962"/>
+      </p:ext>
+    </p:extLst>
+  </p:cSld>
+  <p:clrMapOvr>
+    <a:masterClrMapping/>
+  </p:clrMapOvr>
+</p:sld>
+</file>
+
 <file path=ppt/slides/slide2.xml><?xml version="1.0" encoding="utf-8"?>
 <p:sld xmlns:a="http://schemas.openxmlformats.org/drawingml/2006/main" xmlns:r="http://schemas.openxmlformats.org/officeDocument/2006/relationships" xmlns:p="http://schemas.openxmlformats.org/presentationml/2006/main">
   <p:cSld>
@@ -5821,7 +6020,7 @@
             <p:ph idx="1"/>
             <p:extLst>
               <p:ext uri="{D42A27DB-BD31-4B8C-83A1-F6EECF244321}">
-                <p14:modId xmlns:p14="http://schemas.microsoft.com/office/powerpoint/2010/main" val="2532723761"/>
+                <p14:modId xmlns:p14="http://schemas.microsoft.com/office/powerpoint/2010/main" val="2226311707"/>
               </p:ext>
             </p:extLst>
           </p:nvPr>
@@ -5964,7 +6163,7 @@
                           <a:effectLst/>
                           <a:latin typeface="Nunito" pitchFamily="2" charset="-52"/>
                         </a:rPr>
-                        <a:t> Александра (нейронная сеть)</a:t>
+                        <a:t> Александра (тестирование, отладка)</a:t>
                       </a:r>
                     </a:p>
                   </a:txBody>
@@ -6097,7 +6296,7 @@
               <a:rPr lang="ru-RU" dirty="0">
                 <a:latin typeface="-apple-system"/>
               </a:rPr>
-              <a:t>Плохая заполненность признака «пол» у пользователей</a:t>
+              <a:t>Плохая заполненность признака «пол» (пол точно известен только у 10% пользователей)</a:t>
             </a:r>
           </a:p>
           <a:p>
@@ -6135,6 +6334,15 @@
                 <a:latin typeface="-apple-system"/>
               </a:rPr>
               <a:t>Улучшение качества выдачи «подарков» на витрине</a:t>
+            </a:r>
+          </a:p>
+          <a:p>
+            <a:pPr lvl="1"/>
+            <a:r>
+              <a:rPr lang="ru-RU" dirty="0">
+                <a:latin typeface="-apple-system"/>
+              </a:rPr>
+              <a:t>Определение ЦА продуктов с ограничением по полу</a:t>
             </a:r>
           </a:p>
           <a:p>
@@ -6817,54 +7025,31 @@
           <a:p>
             <a:pPr lvl="2"/>
             <a:r>
-              <a:rPr lang="en-US" b="1" i="0" dirty="0">
+              <a:rPr lang="en-US" b="1" dirty="0">
                 <a:solidFill>
                   <a:srgbClr val="D4D4D4"/>
                 </a:solidFill>
-                <a:effectLst/>
                 <a:latin typeface="Segoe WPC"/>
               </a:rPr>
               <a:t>landed-at</a:t>
             </a:r>
             <a:r>
-              <a:rPr lang="ru-RU" b="1" i="0" dirty="0">
+              <a:rPr lang="ru-RU" b="1" dirty="0">
                 <a:solidFill>
                   <a:srgbClr val="D4D4D4"/>
                 </a:solidFill>
-                <a:effectLst/>
                 <a:latin typeface="Segoe WPC"/>
               </a:rPr>
               <a:t> </a:t>
             </a:r>
             <a:r>
-              <a:rPr lang="en-US" b="1" i="0" dirty="0">
+              <a:rPr lang="en-US" b="1" dirty="0">
                 <a:solidFill>
                   <a:srgbClr val="D4D4D4"/>
                 </a:solidFill>
-                <a:effectLst/>
                 <a:latin typeface="Segoe WPC"/>
               </a:rPr>
-              <a:t>| sites | </a:t>
-            </a:r>
-            <a:r>
-              <a:rPr lang="en-US" b="1" i="0" dirty="0">
-                <a:solidFill>
-                  <a:srgbClr val="FF0000"/>
-                </a:solidFill>
-                <a:effectLst/>
-                <a:latin typeface="Segoe WPC"/>
-              </a:rPr>
-              <a:t>accepted-site-id</a:t>
-            </a:r>
-            <a:r>
-              <a:rPr lang="en-US" b="1" i="0" dirty="0">
-                <a:solidFill>
-                  <a:srgbClr val="D4D4D4"/>
-                </a:solidFill>
-                <a:effectLst/>
-                <a:latin typeface="Segoe WPC"/>
-              </a:rPr>
-              <a:t> | accepted-at</a:t>
+              <a:t>| sites | accepted-site-id | accepted-at</a:t>
             </a:r>
           </a:p>
           <a:p>
@@ -7025,7 +7210,9 @@
         </p:nvSpPr>
         <p:spPr/>
         <p:txBody>
-          <a:bodyPr/>
+          <a:bodyPr>
+            <a:normAutofit/>
+          </a:bodyPr>
           <a:lstStyle/>
           <a:p>
             <a:r>
@@ -7054,193 +7241,31 @@
             </a:r>
             <a:r>
               <a:rPr lang="ru-RU" dirty="0"/>
-              <a:t>:</a:t>
-            </a:r>
-          </a:p>
-          <a:p>
-            <a:pPr marL="685800" lvl="2">
-              <a:spcBef>
-                <a:spcPts val="1000"/>
-              </a:spcBef>
-            </a:pPr>
-            <a:r>
-              <a:rPr lang="en-US" sz="2000" dirty="0"/>
-              <a:t>visits</a:t>
-            </a:r>
-            <a:r>
-              <a:rPr lang="ru-RU" sz="2000" dirty="0"/>
-              <a:t> </a:t>
-            </a:r>
-            <a:r>
-              <a:rPr lang="en-US" sz="2000" dirty="0"/>
-              <a:t>[‘site-id’, ‘visits’]</a:t>
-            </a:r>
-            <a:r>
-              <a:rPr lang="ru-RU" sz="2000" dirty="0"/>
-              <a:t> </a:t>
-            </a:r>
-            <a:r>
-              <a:rPr lang="en-US" sz="2000" dirty="0">
-                <a:solidFill>
-                  <a:srgbClr val="FFFF00"/>
-                </a:solidFill>
-              </a:rPr>
-              <a:t>'Accuracy’: 0.6</a:t>
-            </a:r>
-            <a:r>
-              <a:rPr lang="ru-RU" sz="2000" dirty="0">
-                <a:solidFill>
-                  <a:srgbClr val="FFFF00"/>
-                </a:solidFill>
-              </a:rPr>
-              <a:t>4</a:t>
-            </a:r>
-          </a:p>
-          <a:p>
-            <a:pPr marL="685800" lvl="2">
-              <a:spcBef>
-                <a:spcPts val="1000"/>
-              </a:spcBef>
-            </a:pPr>
-            <a:r>
-              <a:rPr lang="en-US" sz="2000" dirty="0"/>
-              <a:t>orders [‘site-id’, ‘items.id’, ‘</a:t>
-            </a:r>
-            <a:r>
-              <a:rPr lang="en-US" sz="2000" dirty="0" err="1"/>
-              <a:t>items.brand</a:t>
-            </a:r>
-            <a:r>
-              <a:rPr lang="en-US" sz="2000" dirty="0"/>
-              <a:t>-id’]</a:t>
-            </a:r>
-            <a:r>
-              <a:rPr lang="ru-RU" sz="2000" dirty="0"/>
-              <a:t> </a:t>
-            </a:r>
-            <a:r>
-              <a:rPr lang="en-US" sz="2000" dirty="0">
-                <a:solidFill>
-                  <a:srgbClr val="FFFF00"/>
-                </a:solidFill>
-              </a:rPr>
-              <a:t>'Accuracy': 0.73</a:t>
+              <a:t> – первая идея</a:t>
             </a:r>
           </a:p>
           <a:p>
             <a:r>
               <a:rPr lang="ru-RU" dirty="0"/>
-              <a:t>Логистическая регрессия:</a:t>
-            </a:r>
-          </a:p>
-          <a:p>
-            <a:pPr lvl="1"/>
-            <a:r>
-              <a:rPr lang="en-US" dirty="0"/>
-              <a:t>site-meta</a:t>
-            </a:r>
+              <a:t>Логистическая регрессия – попытка сделать проще</a:t>
+            </a:r>
+          </a:p>
+          <a:p>
             <a:r>
               <a:rPr lang="ru-RU" dirty="0"/>
-              <a:t> </a:t>
-            </a:r>
-            <a:r>
-              <a:rPr lang="en-US" dirty="0"/>
-              <a:t>['site-id’] </a:t>
-            </a:r>
-            <a:r>
-              <a:rPr lang="en-US" sz="1800" dirty="0">
-                <a:solidFill>
-                  <a:srgbClr val="FFFF00"/>
-                </a:solidFill>
-              </a:rPr>
-              <a:t>'Accuracy': 0.80</a:t>
-            </a:r>
-            <a:endParaRPr lang="ru-RU" dirty="0"/>
-          </a:p>
-          <a:p>
-            <a:pPr lvl="1"/>
-            <a:r>
-              <a:rPr lang="en-US" dirty="0"/>
-              <a:t>exchange-sessions</a:t>
-            </a:r>
+              <a:t>Метод опорных векторов</a:t>
+            </a:r>
+          </a:p>
+          <a:p>
             <a:r>
               <a:rPr lang="ru-RU" dirty="0"/>
-              <a:t> </a:t>
-            </a:r>
-            <a:r>
-              <a:rPr lang="en-US" dirty="0"/>
-              <a:t>['accepted-site-id’] </a:t>
-            </a:r>
-            <a:r>
-              <a:rPr lang="en-US" sz="2000" dirty="0">
-                <a:solidFill>
-                  <a:srgbClr val="FFFF00"/>
-                </a:solidFill>
-              </a:rPr>
-              <a:t>'Accuracy': 0.</a:t>
-            </a:r>
-            <a:r>
-              <a:rPr lang="ru-RU" sz="2000" dirty="0">
-                <a:solidFill>
-                  <a:srgbClr val="FFFF00"/>
-                </a:solidFill>
-              </a:rPr>
-              <a:t>66</a:t>
-            </a:r>
-            <a:r>
-              <a:rPr lang="ru-RU" sz="2000" dirty="0"/>
-              <a:t> (из-за кол-ва пропусков)</a:t>
-            </a:r>
-            <a:endParaRPr lang="en-US" dirty="0"/>
-          </a:p>
-          <a:p>
-            <a:pPr lvl="1"/>
+              <a:t>Случайный лес</a:t>
+            </a:r>
+          </a:p>
+          <a:p>
             <a:r>
               <a:rPr lang="ru-RU" dirty="0"/>
-              <a:t>комбинация 2х </a:t>
-            </a:r>
-            <a:r>
-              <a:rPr lang="en-US" sz="2000" dirty="0">
-                <a:solidFill>
-                  <a:srgbClr val="FFFF00"/>
-                </a:solidFill>
-              </a:rPr>
-              <a:t>'Accuracy': 0.</a:t>
-            </a:r>
-            <a:r>
-              <a:rPr lang="ru-RU" sz="2000" dirty="0">
-                <a:solidFill>
-                  <a:srgbClr val="FFFF00"/>
-                </a:solidFill>
-              </a:rPr>
-              <a:t>82</a:t>
-            </a:r>
-            <a:endParaRPr lang="ru-RU" dirty="0"/>
-          </a:p>
-          <a:p>
-            <a:pPr lvl="1"/>
-            <a:r>
-              <a:rPr lang="en-US" dirty="0"/>
-              <a:t>last-visits-in-categories</a:t>
-            </a:r>
-            <a:r>
-              <a:rPr lang="ru-RU" dirty="0"/>
-              <a:t> </a:t>
-            </a:r>
-            <a:r>
-              <a:rPr lang="en-US" dirty="0"/>
-              <a:t>[‘category’] – </a:t>
-            </a:r>
-            <a:r>
-              <a:rPr lang="ru-RU" dirty="0"/>
-              <a:t>в процессе</a:t>
-            </a:r>
-            <a:endParaRPr lang="en-US" dirty="0"/>
-          </a:p>
-          <a:p>
-            <a:r>
-              <a:rPr lang="ru-RU" dirty="0"/>
-              <a:t>Нейронная сеть – в процессе</a:t>
+              <a:t>Нейронная сеть</a:t>
             </a:r>
           </a:p>
         </p:txBody>
@@ -7280,7 +7305,7 @@
           <p:cNvPr id="2" name="Title 1">
             <a:extLst>
               <a:ext uri="{FF2B5EF4-FFF2-40B4-BE49-F238E27FC236}">
-                <a16:creationId xmlns:a16="http://schemas.microsoft.com/office/drawing/2014/main" id="{5C315144-35B5-5FF4-01FE-C5E4298D4EE3}"/>
+                <a16:creationId xmlns:a16="http://schemas.microsoft.com/office/drawing/2014/main" id="{F50A4ACC-693B-1FFE-2B19-9E7107D42BC1}"/>
               </a:ext>
             </a:extLst>
           </p:cNvPr>
@@ -7298,8 +7323,17 @@
           <a:p>
             <a:r>
               <a:rPr lang="ru-RU" dirty="0"/>
-              <a:t>Дополнительные модификации</a:t>
-            </a:r>
+              <a:t>Градиентный</a:t>
+            </a:r>
+            <a:r>
+              <a:rPr lang="en-US" dirty="0"/>
+              <a:t> </a:t>
+            </a:r>
+            <a:r>
+              <a:rPr lang="ru-RU" dirty="0" err="1"/>
+              <a:t>бустинг</a:t>
+            </a:r>
+            <a:endParaRPr lang="ru-RU" dirty="0"/>
           </a:p>
         </p:txBody>
       </p:sp>
@@ -7308,7 +7342,7 @@
           <p:cNvPr id="3" name="Content Placeholder 2">
             <a:extLst>
               <a:ext uri="{FF2B5EF4-FFF2-40B4-BE49-F238E27FC236}">
-                <a16:creationId xmlns:a16="http://schemas.microsoft.com/office/drawing/2014/main" id="{B54EAD5D-7AD4-A6F9-1FA2-DB766397AE99}"/>
+                <a16:creationId xmlns:a16="http://schemas.microsoft.com/office/drawing/2014/main" id="{80F32030-DA0A-CA52-F08D-F86182337D67}"/>
               </a:ext>
             </a:extLst>
           </p:cNvPr>
@@ -7321,26 +7355,109 @@
         </p:nvSpPr>
         <p:spPr/>
         <p:txBody>
-          <a:bodyPr/>
+          <a:bodyPr>
+            <a:normAutofit/>
+          </a:bodyPr>
           <a:lstStyle/>
           <a:p>
             <a:r>
               <a:rPr lang="ru-RU" dirty="0"/>
-              <a:t>Попробуем совместить результаты разных моделей</a:t>
-            </a:r>
-          </a:p>
-          <a:p>
+              <a:t>Градиентный</a:t>
+            </a:r>
+            <a:r>
+              <a:rPr lang="en-US" dirty="0"/>
+              <a:t> </a:t>
+            </a:r>
+            <a:r>
+              <a:rPr lang="ru-RU" dirty="0" err="1"/>
+              <a:t>бустинг</a:t>
+            </a:r>
             <a:r>
               <a:rPr lang="ru-RU" dirty="0"/>
-              <a:t>Попробуем дополнительно улучшить метрику с помощью ручной разметки </a:t>
+              <a:t> (</a:t>
             </a:r>
             <a:r>
               <a:rPr lang="en-US" dirty="0" err="1"/>
-              <a:t>general_categories_mapping</a:t>
-            </a:r>
-            <a:endParaRPr lang="ru-RU" dirty="0"/>
-          </a:p>
-          <a:p>
+              <a:t>catboost</a:t>
+            </a:r>
+            <a:r>
+              <a:rPr lang="en-US" dirty="0"/>
+              <a:t>)</a:t>
+            </a:r>
+            <a:r>
+              <a:rPr lang="ru-RU" dirty="0"/>
+              <a:t>:</a:t>
+            </a:r>
+          </a:p>
+          <a:p>
+            <a:pPr marL="685800" lvl="2">
+              <a:spcBef>
+                <a:spcPts val="1000"/>
+              </a:spcBef>
+            </a:pPr>
+            <a:r>
+              <a:rPr lang="en-US" sz="2000" dirty="0"/>
+              <a:t>visits</a:t>
+            </a:r>
+            <a:r>
+              <a:rPr lang="ru-RU" sz="2000" dirty="0"/>
+              <a:t> </a:t>
+            </a:r>
+            <a:r>
+              <a:rPr lang="en-US" sz="2000" dirty="0"/>
+              <a:t>[‘site-id’, ‘visits’]</a:t>
+            </a:r>
+            <a:r>
+              <a:rPr lang="ru-RU" sz="2000" dirty="0"/>
+              <a:t> </a:t>
+            </a:r>
+            <a:r>
+              <a:rPr lang="en-US" sz="2000" dirty="0">
+                <a:solidFill>
+                  <a:srgbClr val="FFFF00"/>
+                </a:solidFill>
+              </a:rPr>
+              <a:t>'Accuracy’: 0.6</a:t>
+            </a:r>
+            <a:r>
+              <a:rPr lang="ru-RU" sz="2000" dirty="0">
+                <a:solidFill>
+                  <a:srgbClr val="FFFF00"/>
+                </a:solidFill>
+              </a:rPr>
+              <a:t>4</a:t>
+            </a:r>
+          </a:p>
+          <a:p>
+            <a:pPr marL="685800" lvl="2">
+              <a:spcBef>
+                <a:spcPts val="1000"/>
+              </a:spcBef>
+            </a:pPr>
+            <a:r>
+              <a:rPr lang="en-US" sz="2000" dirty="0"/>
+              <a:t>orders [‘site-id’, ‘items.id’, ‘</a:t>
+            </a:r>
+            <a:r>
+              <a:rPr lang="en-US" sz="2000" dirty="0" err="1"/>
+              <a:t>items.brand</a:t>
+            </a:r>
+            <a:r>
+              <a:rPr lang="en-US" sz="2000" dirty="0"/>
+              <a:t>-id’]</a:t>
+            </a:r>
+            <a:r>
+              <a:rPr lang="ru-RU" sz="2000" dirty="0"/>
+              <a:t> </a:t>
+            </a:r>
+            <a:r>
+              <a:rPr lang="en-US" sz="2000" dirty="0">
+                <a:solidFill>
+                  <a:srgbClr val="FFFF00"/>
+                </a:solidFill>
+              </a:rPr>
+              <a:t>'Accuracy': 0.73</a:t>
+            </a:r>
             <a:endParaRPr lang="ru-RU" dirty="0"/>
           </a:p>
         </p:txBody>
@@ -7348,7 +7465,7 @@
     </p:spTree>
     <p:extLst>
       <p:ext uri="{BB962C8B-B14F-4D97-AF65-F5344CB8AC3E}">
-        <p14:creationId xmlns:p14="http://schemas.microsoft.com/office/powerpoint/2010/main" val="2180375518"/>
+        <p14:creationId xmlns:p14="http://schemas.microsoft.com/office/powerpoint/2010/main" val="1375374477"/>
       </p:ext>
     </p:extLst>
   </p:cSld>
@@ -7380,7 +7497,7 @@
           <p:cNvPr id="2" name="Title 1">
             <a:extLst>
               <a:ext uri="{FF2B5EF4-FFF2-40B4-BE49-F238E27FC236}">
-                <a16:creationId xmlns:a16="http://schemas.microsoft.com/office/drawing/2014/main" id="{9FA25D26-CD16-0D03-78D4-E06107C1D7B9}"/>
+                <a16:creationId xmlns:a16="http://schemas.microsoft.com/office/drawing/2014/main" id="{F50A4ACC-693B-1FFE-2B19-9E7107D42BC1}"/>
               </a:ext>
             </a:extLst>
           </p:cNvPr>
@@ -7398,7 +7515,765 @@
           <a:p>
             <a:r>
               <a:rPr lang="ru-RU" dirty="0"/>
-              <a:t>Спасибо за внимание!</a:t>
+              <a:t>Логистическая регрессия</a:t>
+            </a:r>
+          </a:p>
+        </p:txBody>
+      </p:sp>
+      <p:graphicFrame>
+        <p:nvGraphicFramePr>
+          <p:cNvPr id="4" name="Content Placeholder 3">
+            <a:extLst>
+              <a:ext uri="{FF2B5EF4-FFF2-40B4-BE49-F238E27FC236}">
+                <a16:creationId xmlns:a16="http://schemas.microsoft.com/office/drawing/2014/main" id="{F288C51E-E9C3-9610-12AA-7F78D3D683D2}"/>
+              </a:ext>
+            </a:extLst>
+          </p:cNvPr>
+          <p:cNvGraphicFramePr>
+            <a:graphicFrameLocks noGrp="1"/>
+          </p:cNvGraphicFramePr>
+          <p:nvPr>
+            <p:ph idx="1"/>
+            <p:extLst>
+              <p:ext uri="{D42A27DB-BD31-4B8C-83A1-F6EECF244321}">
+                <p14:modId xmlns:p14="http://schemas.microsoft.com/office/powerpoint/2010/main" val="3763304366"/>
+              </p:ext>
+            </p:extLst>
+          </p:nvPr>
+        </p:nvGraphicFramePr>
+        <p:xfrm>
+          <a:off x="685800" y="2220819"/>
+          <a:ext cx="10820400" cy="2956560"/>
+        </p:xfrm>
+        <a:graphic>
+          <a:graphicData uri="http://schemas.openxmlformats.org/drawingml/2006/table">
+            <a:tbl>
+              <a:tblPr firstRow="1" bandRow="1">
+                <a:tableStyleId>{5C22544A-7EE6-4342-B048-85BDC9FD1C3A}</a:tableStyleId>
+              </a:tblPr>
+              <a:tblGrid>
+                <a:gridCol w="6692153">
+                  <a:extLst>
+                    <a:ext uri="{9D8B030D-6E8A-4147-A177-3AD203B41FA5}">
+                      <a16:colId xmlns:a16="http://schemas.microsoft.com/office/drawing/2014/main" val="398531322"/>
+                    </a:ext>
+                  </a:extLst>
+                </a:gridCol>
+                <a:gridCol w="4128247">
+                  <a:extLst>
+                    <a:ext uri="{9D8B030D-6E8A-4147-A177-3AD203B41FA5}">
+                      <a16:colId xmlns:a16="http://schemas.microsoft.com/office/drawing/2014/main" val="1496254110"/>
+                    </a:ext>
+                  </a:extLst>
+                </a:gridCol>
+              </a:tblGrid>
+              <a:tr h="370840">
+                <a:tc>
+                  <a:txBody>
+                    <a:bodyPr/>
+                    <a:lstStyle/>
+                    <a:p>
+                      <a:r>
+                        <a:rPr lang="en-US" dirty="0"/>
+                        <a:t>Features</a:t>
+                      </a:r>
+                      <a:endParaRPr lang="ru-RU" dirty="0"/>
+                    </a:p>
+                  </a:txBody>
+                  <a:tcPr/>
+                </a:tc>
+                <a:tc>
+                  <a:txBody>
+                    <a:bodyPr/>
+                    <a:lstStyle/>
+                    <a:p>
+                      <a:pPr marL="0" algn="l" defTabSz="914400" rtl="0" eaLnBrk="1" latinLnBrk="0" hangingPunct="1"/>
+                      <a:r>
+                        <a:rPr lang="en-US" sz="1800" b="1" kern="1200" dirty="0">
+                          <a:solidFill>
+                            <a:schemeClr val="lt1"/>
+                          </a:solidFill>
+                          <a:latin typeface="+mn-lt"/>
+                          <a:ea typeface="+mn-ea"/>
+                          <a:cs typeface="+mn-cs"/>
+                        </a:rPr>
+                        <a:t>Accuracy</a:t>
+                      </a:r>
+                      <a:endParaRPr lang="ru-RU" sz="1800" b="1" kern="1200" dirty="0">
+                        <a:solidFill>
+                          <a:schemeClr val="lt1"/>
+                        </a:solidFill>
+                        <a:latin typeface="+mn-lt"/>
+                        <a:ea typeface="+mn-ea"/>
+                        <a:cs typeface="+mn-cs"/>
+                      </a:endParaRPr>
+                    </a:p>
+                  </a:txBody>
+                  <a:tcPr/>
+                </a:tc>
+                <a:extLst>
+                  <a:ext uri="{0D108BD9-81ED-4DB2-BD59-A6C34878D82A}">
+                    <a16:rowId xmlns:a16="http://schemas.microsoft.com/office/drawing/2014/main" val="14993644"/>
+                  </a:ext>
+                </a:extLst>
+              </a:tr>
+              <a:tr h="370840">
+                <a:tc>
+                  <a:txBody>
+                    <a:bodyPr/>
+                    <a:lstStyle/>
+                    <a:p>
+                      <a:pPr marL="0" lvl="1" algn="l" defTabSz="914400" rtl="0" eaLnBrk="1" latinLnBrk="0" hangingPunct="1"/>
+                      <a:r>
+                        <a:rPr lang="en-US" sz="1800" kern="1200" dirty="0">
+                          <a:solidFill>
+                            <a:schemeClr val="dk1"/>
+                          </a:solidFill>
+                          <a:latin typeface="+mn-lt"/>
+                          <a:ea typeface="+mn-ea"/>
+                          <a:cs typeface="+mn-cs"/>
+                        </a:rPr>
+                        <a:t>site-meta</a:t>
+                      </a:r>
+                      <a:r>
+                        <a:rPr lang="ru-RU" sz="1800" kern="1200" dirty="0">
+                          <a:solidFill>
+                            <a:schemeClr val="dk1"/>
+                          </a:solidFill>
+                          <a:latin typeface="+mn-lt"/>
+                          <a:ea typeface="+mn-ea"/>
+                          <a:cs typeface="+mn-cs"/>
+                        </a:rPr>
+                        <a:t> </a:t>
+                      </a:r>
+                      <a:r>
+                        <a:rPr lang="en-US" sz="1800" kern="1200" dirty="0">
+                          <a:solidFill>
+                            <a:schemeClr val="dk1"/>
+                          </a:solidFill>
+                          <a:latin typeface="+mn-lt"/>
+                          <a:ea typeface="+mn-ea"/>
+                          <a:cs typeface="+mn-cs"/>
+                        </a:rPr>
+                        <a:t>['site-id’]</a:t>
+                      </a:r>
+                      <a:endParaRPr lang="ru-RU" sz="1800" kern="1200" dirty="0">
+                        <a:solidFill>
+                          <a:schemeClr val="dk1"/>
+                        </a:solidFill>
+                        <a:latin typeface="+mn-lt"/>
+                        <a:ea typeface="+mn-ea"/>
+                        <a:cs typeface="+mn-cs"/>
+                      </a:endParaRPr>
+                    </a:p>
+                  </a:txBody>
+                  <a:tcPr/>
+                </a:tc>
+                <a:tc>
+                  <a:txBody>
+                    <a:bodyPr/>
+                    <a:lstStyle/>
+                    <a:p>
+                      <a:pPr marL="0" lvl="1" algn="l" defTabSz="914400" rtl="0" eaLnBrk="1" latinLnBrk="0" hangingPunct="1"/>
+                      <a:r>
+                        <a:rPr lang="en-US" sz="1800" kern="1200" dirty="0">
+                          <a:solidFill>
+                            <a:schemeClr val="dk1"/>
+                          </a:solidFill>
+                          <a:latin typeface="+mn-lt"/>
+                          <a:ea typeface="+mn-ea"/>
+                          <a:cs typeface="+mn-cs"/>
+                        </a:rPr>
+                        <a:t>0.80</a:t>
+                      </a:r>
+                      <a:endParaRPr lang="ru-RU" sz="1800" kern="1200" dirty="0">
+                        <a:solidFill>
+                          <a:schemeClr val="dk1"/>
+                        </a:solidFill>
+                        <a:latin typeface="+mn-lt"/>
+                        <a:ea typeface="+mn-ea"/>
+                        <a:cs typeface="+mn-cs"/>
+                      </a:endParaRPr>
+                    </a:p>
+                  </a:txBody>
+                  <a:tcPr/>
+                </a:tc>
+                <a:extLst>
+                  <a:ext uri="{0D108BD9-81ED-4DB2-BD59-A6C34878D82A}">
+                    <a16:rowId xmlns:a16="http://schemas.microsoft.com/office/drawing/2014/main" val="3554431238"/>
+                  </a:ext>
+                </a:extLst>
+              </a:tr>
+              <a:tr h="0">
+                <a:tc>
+                  <a:txBody>
+                    <a:bodyPr/>
+                    <a:lstStyle/>
+                    <a:p>
+                      <a:r>
+                        <a:rPr lang="en-US" dirty="0"/>
+                        <a:t>exchange-sessions</a:t>
+                      </a:r>
+                      <a:r>
+                        <a:rPr lang="ru-RU" dirty="0"/>
+                        <a:t> </a:t>
+                      </a:r>
+                      <a:r>
+                        <a:rPr lang="en-US" dirty="0"/>
+                        <a:t>['accepted-site-id’]</a:t>
+                      </a:r>
+                      <a:endParaRPr lang="ru-RU" dirty="0"/>
+                    </a:p>
+                  </a:txBody>
+                  <a:tcPr/>
+                </a:tc>
+                <a:tc>
+                  <a:txBody>
+                    <a:bodyPr/>
+                    <a:lstStyle/>
+                    <a:p>
+                      <a:pPr marL="0" lvl="1" algn="l" defTabSz="914400" rtl="0" eaLnBrk="1" latinLnBrk="0" hangingPunct="1"/>
+                      <a:r>
+                        <a:rPr lang="en-US" sz="1800" kern="1200" dirty="0">
+                          <a:solidFill>
+                            <a:schemeClr val="dk1"/>
+                          </a:solidFill>
+                          <a:latin typeface="+mn-lt"/>
+                          <a:ea typeface="+mn-ea"/>
+                          <a:cs typeface="+mn-cs"/>
+                        </a:rPr>
+                        <a:t>0.</a:t>
+                      </a:r>
+                      <a:r>
+                        <a:rPr lang="ru-RU" sz="1800" kern="1200" dirty="0">
+                          <a:solidFill>
+                            <a:schemeClr val="dk1"/>
+                          </a:solidFill>
+                          <a:latin typeface="+mn-lt"/>
+                          <a:ea typeface="+mn-ea"/>
+                          <a:cs typeface="+mn-cs"/>
+                        </a:rPr>
+                        <a:t>6</a:t>
+                      </a:r>
+                      <a:r>
+                        <a:rPr lang="en-US" sz="1800" kern="1200" dirty="0">
+                          <a:solidFill>
+                            <a:schemeClr val="dk1"/>
+                          </a:solidFill>
+                          <a:latin typeface="+mn-lt"/>
+                          <a:ea typeface="+mn-ea"/>
+                          <a:cs typeface="+mn-cs"/>
+                        </a:rPr>
+                        <a:t>6</a:t>
+                      </a:r>
+                      <a:endParaRPr lang="ru-RU" sz="1800" kern="1200" dirty="0">
+                        <a:solidFill>
+                          <a:schemeClr val="dk1"/>
+                        </a:solidFill>
+                        <a:latin typeface="+mn-lt"/>
+                        <a:ea typeface="+mn-ea"/>
+                        <a:cs typeface="+mn-cs"/>
+                      </a:endParaRPr>
+                    </a:p>
+                  </a:txBody>
+                  <a:tcPr/>
+                </a:tc>
+                <a:extLst>
+                  <a:ext uri="{0D108BD9-81ED-4DB2-BD59-A6C34878D82A}">
+                    <a16:rowId xmlns:a16="http://schemas.microsoft.com/office/drawing/2014/main" val="3327389767"/>
+                  </a:ext>
+                </a:extLst>
+              </a:tr>
+              <a:tr h="370840">
+                <a:tc>
+                  <a:txBody>
+                    <a:bodyPr/>
+                    <a:lstStyle/>
+                    <a:p>
+                      <a:r>
+                        <a:rPr lang="en-US" dirty="0"/>
+                        <a:t>exchange-sessions</a:t>
+                      </a:r>
+                      <a:r>
+                        <a:rPr lang="ru-RU" dirty="0"/>
+                        <a:t> </a:t>
+                      </a:r>
+                      <a:r>
+                        <a:rPr lang="en-US" dirty="0"/>
+                        <a:t>['clicks’]</a:t>
+                      </a:r>
+                      <a:endParaRPr lang="ru-RU" dirty="0"/>
+                    </a:p>
+                  </a:txBody>
+                  <a:tcPr/>
+                </a:tc>
+                <a:tc>
+                  <a:txBody>
+                    <a:bodyPr/>
+                    <a:lstStyle/>
+                    <a:p>
+                      <a:pPr marL="0" lvl="1" algn="l" defTabSz="914400" rtl="0" eaLnBrk="1" latinLnBrk="0" hangingPunct="1"/>
+                      <a:r>
+                        <a:rPr lang="en-US" sz="1800" kern="1200" dirty="0">
+                          <a:solidFill>
+                            <a:schemeClr val="dk1"/>
+                          </a:solidFill>
+                          <a:latin typeface="+mn-lt"/>
+                          <a:ea typeface="+mn-ea"/>
+                          <a:cs typeface="+mn-cs"/>
+                        </a:rPr>
+                        <a:t>0.</a:t>
+                      </a:r>
+                      <a:r>
+                        <a:rPr lang="ru-RU" sz="1800" kern="1200" dirty="0">
+                          <a:solidFill>
+                            <a:schemeClr val="dk1"/>
+                          </a:solidFill>
+                          <a:latin typeface="+mn-lt"/>
+                          <a:ea typeface="+mn-ea"/>
+                          <a:cs typeface="+mn-cs"/>
+                        </a:rPr>
+                        <a:t>6</a:t>
+                      </a:r>
+                      <a:r>
+                        <a:rPr lang="en-US" sz="1800" kern="1200" dirty="0">
+                          <a:solidFill>
+                            <a:schemeClr val="dk1"/>
+                          </a:solidFill>
+                          <a:latin typeface="+mn-lt"/>
+                          <a:ea typeface="+mn-ea"/>
+                          <a:cs typeface="+mn-cs"/>
+                        </a:rPr>
+                        <a:t>7</a:t>
+                      </a:r>
+                      <a:endParaRPr lang="ru-RU" sz="1800" kern="1200" dirty="0">
+                        <a:solidFill>
+                          <a:schemeClr val="dk1"/>
+                        </a:solidFill>
+                        <a:latin typeface="+mn-lt"/>
+                        <a:ea typeface="+mn-ea"/>
+                        <a:cs typeface="+mn-cs"/>
+                      </a:endParaRPr>
+                    </a:p>
+                  </a:txBody>
+                  <a:tcPr/>
+                </a:tc>
+                <a:extLst>
+                  <a:ext uri="{0D108BD9-81ED-4DB2-BD59-A6C34878D82A}">
+                    <a16:rowId xmlns:a16="http://schemas.microsoft.com/office/drawing/2014/main" val="3502368335"/>
+                  </a:ext>
+                </a:extLst>
+              </a:tr>
+              <a:tr h="370840">
+                <a:tc>
+                  <a:txBody>
+                    <a:bodyPr/>
+                    <a:lstStyle/>
+                    <a:p>
+                      <a:r>
+                        <a:rPr lang="en-US" dirty="0"/>
+                        <a:t>exchange-sessions</a:t>
+                      </a:r>
+                      <a:r>
+                        <a:rPr lang="ru-RU" dirty="0"/>
+                        <a:t> </a:t>
+                      </a:r>
+                      <a:r>
+                        <a:rPr lang="en-US" dirty="0"/>
+                        <a:t>['clicks’] |['accepted-site-id’]</a:t>
+                      </a:r>
+                      <a:endParaRPr lang="ru-RU" dirty="0"/>
+                    </a:p>
+                  </a:txBody>
+                  <a:tcPr/>
+                </a:tc>
+                <a:tc>
+                  <a:txBody>
+                    <a:bodyPr/>
+                    <a:lstStyle/>
+                    <a:p>
+                      <a:pPr marL="0" lvl="1" algn="l" defTabSz="914400" rtl="0" eaLnBrk="1" latinLnBrk="0" hangingPunct="1"/>
+                      <a:r>
+                        <a:rPr lang="en-US" sz="1800" kern="1200" dirty="0">
+                          <a:solidFill>
+                            <a:schemeClr val="dk1"/>
+                          </a:solidFill>
+                          <a:latin typeface="+mn-lt"/>
+                          <a:ea typeface="+mn-ea"/>
+                          <a:cs typeface="+mn-cs"/>
+                        </a:rPr>
+                        <a:t>0.</a:t>
+                      </a:r>
+                      <a:r>
+                        <a:rPr lang="ru-RU" sz="1800" kern="1200" dirty="0">
+                          <a:solidFill>
+                            <a:schemeClr val="dk1"/>
+                          </a:solidFill>
+                          <a:latin typeface="+mn-lt"/>
+                          <a:ea typeface="+mn-ea"/>
+                          <a:cs typeface="+mn-cs"/>
+                        </a:rPr>
+                        <a:t>6</a:t>
+                      </a:r>
+                      <a:r>
+                        <a:rPr lang="en-US" sz="1800" kern="1200" dirty="0">
+                          <a:solidFill>
+                            <a:schemeClr val="dk1"/>
+                          </a:solidFill>
+                          <a:latin typeface="+mn-lt"/>
+                          <a:ea typeface="+mn-ea"/>
+                          <a:cs typeface="+mn-cs"/>
+                        </a:rPr>
+                        <a:t>5</a:t>
+                      </a:r>
+                      <a:endParaRPr lang="ru-RU" sz="1800" kern="1200" dirty="0">
+                        <a:solidFill>
+                          <a:schemeClr val="dk1"/>
+                        </a:solidFill>
+                        <a:latin typeface="+mn-lt"/>
+                        <a:ea typeface="+mn-ea"/>
+                        <a:cs typeface="+mn-cs"/>
+                      </a:endParaRPr>
+                    </a:p>
+                  </a:txBody>
+                  <a:tcPr/>
+                </a:tc>
+                <a:extLst>
+                  <a:ext uri="{0D108BD9-81ED-4DB2-BD59-A6C34878D82A}">
+                    <a16:rowId xmlns:a16="http://schemas.microsoft.com/office/drawing/2014/main" val="1626513840"/>
+                  </a:ext>
+                </a:extLst>
+              </a:tr>
+              <a:tr h="370840">
+                <a:tc>
+                  <a:txBody>
+                    <a:bodyPr/>
+                    <a:lstStyle/>
+                    <a:p>
+                      <a:r>
+                        <a:rPr lang="en-US" dirty="0"/>
+                        <a:t>last-visits-in-categories</a:t>
+                      </a:r>
+                      <a:r>
+                        <a:rPr lang="ru-RU" dirty="0"/>
+                        <a:t> </a:t>
+                      </a:r>
+                      <a:r>
+                        <a:rPr lang="en-US" dirty="0"/>
+                        <a:t>[‘category’]</a:t>
+                      </a:r>
+                      <a:endParaRPr lang="ru-RU" dirty="0"/>
+                    </a:p>
+                  </a:txBody>
+                  <a:tcPr/>
+                </a:tc>
+                <a:tc>
+                  <a:txBody>
+                    <a:bodyPr/>
+                    <a:lstStyle/>
+                    <a:p>
+                      <a:pPr marL="0" lvl="1" algn="l" defTabSz="914400" rtl="0" eaLnBrk="1" latinLnBrk="0" hangingPunct="1"/>
+                      <a:r>
+                        <a:rPr lang="en-US" sz="1800" kern="1200" dirty="0">
+                          <a:solidFill>
+                            <a:schemeClr val="dk1"/>
+                          </a:solidFill>
+                          <a:latin typeface="+mn-lt"/>
+                          <a:ea typeface="+mn-ea"/>
+                          <a:cs typeface="+mn-cs"/>
+                        </a:rPr>
+                        <a:t>0.</a:t>
+                      </a:r>
+                      <a:r>
+                        <a:rPr lang="ru-RU" sz="1800" kern="1200" dirty="0">
+                          <a:solidFill>
+                            <a:schemeClr val="dk1"/>
+                          </a:solidFill>
+                          <a:latin typeface="+mn-lt"/>
+                          <a:ea typeface="+mn-ea"/>
+                          <a:cs typeface="+mn-cs"/>
+                        </a:rPr>
+                        <a:t>6</a:t>
+                      </a:r>
+                      <a:r>
+                        <a:rPr lang="en-US" sz="1800" kern="1200" dirty="0">
+                          <a:solidFill>
+                            <a:schemeClr val="dk1"/>
+                          </a:solidFill>
+                          <a:latin typeface="+mn-lt"/>
+                          <a:ea typeface="+mn-ea"/>
+                          <a:cs typeface="+mn-cs"/>
+                        </a:rPr>
+                        <a:t>1</a:t>
+                      </a:r>
+                      <a:endParaRPr lang="ru-RU" sz="1800" kern="1200" dirty="0">
+                        <a:solidFill>
+                          <a:schemeClr val="dk1"/>
+                        </a:solidFill>
+                        <a:latin typeface="+mn-lt"/>
+                        <a:ea typeface="+mn-ea"/>
+                        <a:cs typeface="+mn-cs"/>
+                      </a:endParaRPr>
+                    </a:p>
+                  </a:txBody>
+                  <a:tcPr/>
+                </a:tc>
+                <a:extLst>
+                  <a:ext uri="{0D108BD9-81ED-4DB2-BD59-A6C34878D82A}">
+                    <a16:rowId xmlns:a16="http://schemas.microsoft.com/office/drawing/2014/main" val="1831934471"/>
+                  </a:ext>
+                </a:extLst>
+              </a:tr>
+              <a:tr h="0">
+                <a:tc>
+                  <a:txBody>
+                    <a:bodyPr/>
+                    <a:lstStyle/>
+                    <a:p>
+                      <a:pPr marL="0" marR="0" lvl="0" indent="0" algn="l" defTabSz="914400" rtl="0" eaLnBrk="1" fontAlgn="auto" latinLnBrk="0" hangingPunct="1">
+                        <a:lnSpc>
+                          <a:spcPct val="100000"/>
+                        </a:lnSpc>
+                        <a:spcBef>
+                          <a:spcPts val="0"/>
+                        </a:spcBef>
+                        <a:spcAft>
+                          <a:spcPts val="0"/>
+                        </a:spcAft>
+                        <a:buClrTx/>
+                        <a:buSzTx/>
+                        <a:buFontTx/>
+                        <a:buNone/>
+                        <a:tabLst/>
+                        <a:defRPr/>
+                      </a:pPr>
+                      <a:r>
+                        <a:rPr lang="en-US" dirty="0"/>
+                        <a:t>orders [‘</a:t>
+                      </a:r>
+                      <a:r>
+                        <a:rPr lang="en-US" sz="1800" kern="1200" dirty="0">
+                          <a:solidFill>
+                            <a:schemeClr val="dk1"/>
+                          </a:solidFill>
+                          <a:latin typeface="+mn-lt"/>
+                          <a:ea typeface="+mn-ea"/>
+                          <a:cs typeface="+mn-cs"/>
+                        </a:rPr>
+                        <a:t>items.id’]</a:t>
+                      </a:r>
+                    </a:p>
+                  </a:txBody>
+                  <a:tcPr/>
+                </a:tc>
+                <a:tc>
+                  <a:txBody>
+                    <a:bodyPr/>
+                    <a:lstStyle/>
+                    <a:p>
+                      <a:pPr marL="0" lvl="1" algn="l" defTabSz="914400" rtl="0" eaLnBrk="1" latinLnBrk="0" hangingPunct="1"/>
+                      <a:r>
+                        <a:rPr lang="en-US" sz="1800" kern="1200" dirty="0">
+                          <a:solidFill>
+                            <a:schemeClr val="dk1"/>
+                          </a:solidFill>
+                          <a:latin typeface="+mn-lt"/>
+                          <a:ea typeface="+mn-ea"/>
+                          <a:cs typeface="+mn-cs"/>
+                        </a:rPr>
+                        <a:t>0.77</a:t>
+                      </a:r>
+                      <a:endParaRPr lang="ru-RU" sz="1800" kern="1200" dirty="0">
+                        <a:solidFill>
+                          <a:schemeClr val="dk1"/>
+                        </a:solidFill>
+                        <a:latin typeface="+mn-lt"/>
+                        <a:ea typeface="+mn-ea"/>
+                        <a:cs typeface="+mn-cs"/>
+                      </a:endParaRPr>
+                    </a:p>
+                  </a:txBody>
+                  <a:tcPr/>
+                </a:tc>
+                <a:extLst>
+                  <a:ext uri="{0D108BD9-81ED-4DB2-BD59-A6C34878D82A}">
+                    <a16:rowId xmlns:a16="http://schemas.microsoft.com/office/drawing/2014/main" val="2313953973"/>
+                  </a:ext>
+                </a:extLst>
+              </a:tr>
+              <a:tr h="370840">
+                <a:tc>
+                  <a:txBody>
+                    <a:bodyPr/>
+                    <a:lstStyle/>
+                    <a:p>
+                      <a:pPr marL="0" marR="0" lvl="0" indent="0" algn="l" defTabSz="914400" rtl="0" eaLnBrk="1" fontAlgn="auto" latinLnBrk="0" hangingPunct="1">
+                        <a:lnSpc>
+                          <a:spcPct val="100000"/>
+                        </a:lnSpc>
+                        <a:spcBef>
+                          <a:spcPts val="0"/>
+                        </a:spcBef>
+                        <a:spcAft>
+                          <a:spcPts val="0"/>
+                        </a:spcAft>
+                        <a:buClrTx/>
+                        <a:buSzTx/>
+                        <a:buFontTx/>
+                        <a:buNone/>
+                        <a:tabLst/>
+                        <a:defRPr/>
+                      </a:pPr>
+                      <a:r>
+                        <a:rPr lang="en-US" dirty="0"/>
+                        <a:t>orders </a:t>
+                      </a:r>
+                      <a:r>
+                        <a:rPr lang="en-US" sz="1800" kern="1200" dirty="0">
+                          <a:solidFill>
+                            <a:schemeClr val="dk1"/>
+                          </a:solidFill>
+                          <a:latin typeface="+mn-lt"/>
+                          <a:ea typeface="+mn-ea"/>
+                          <a:cs typeface="+mn-cs"/>
+                        </a:rPr>
+                        <a:t>[‘</a:t>
+                      </a:r>
+                      <a:r>
+                        <a:rPr lang="en-US" sz="1800" kern="1200" dirty="0" err="1">
+                          <a:solidFill>
+                            <a:schemeClr val="dk1"/>
+                          </a:solidFill>
+                          <a:latin typeface="+mn-lt"/>
+                          <a:ea typeface="+mn-ea"/>
+                          <a:cs typeface="+mn-cs"/>
+                        </a:rPr>
+                        <a:t>items.brand</a:t>
+                      </a:r>
+                      <a:r>
+                        <a:rPr lang="en-US" sz="1800" kern="1200" dirty="0">
+                          <a:solidFill>
+                            <a:schemeClr val="dk1"/>
+                          </a:solidFill>
+                          <a:latin typeface="+mn-lt"/>
+                          <a:ea typeface="+mn-ea"/>
+                          <a:cs typeface="+mn-cs"/>
+                        </a:rPr>
+                        <a:t>-id’]</a:t>
+                      </a:r>
+                    </a:p>
+                  </a:txBody>
+                  <a:tcPr/>
+                </a:tc>
+                <a:tc>
+                  <a:txBody>
+                    <a:bodyPr/>
+                    <a:lstStyle/>
+                    <a:p>
+                      <a:pPr marL="0" marR="0" lvl="0" indent="0" algn="l" defTabSz="914400" rtl="0" eaLnBrk="1" fontAlgn="auto" latinLnBrk="0" hangingPunct="1">
+                        <a:lnSpc>
+                          <a:spcPct val="100000"/>
+                        </a:lnSpc>
+                        <a:spcBef>
+                          <a:spcPts val="0"/>
+                        </a:spcBef>
+                        <a:spcAft>
+                          <a:spcPts val="0"/>
+                        </a:spcAft>
+                        <a:buClrTx/>
+                        <a:buSzTx/>
+                        <a:buFontTx/>
+                        <a:buNone/>
+                        <a:tabLst/>
+                        <a:defRPr/>
+                      </a:pPr>
+                      <a:r>
+                        <a:rPr lang="en-US" sz="1800" kern="1200" dirty="0">
+                          <a:solidFill>
+                            <a:schemeClr val="dk1"/>
+                          </a:solidFill>
+                          <a:latin typeface="+mn-lt"/>
+                          <a:ea typeface="+mn-ea"/>
+                          <a:cs typeface="+mn-cs"/>
+                        </a:rPr>
+                        <a:t>0.63</a:t>
+                      </a:r>
+                      <a:endParaRPr lang="ru-RU" sz="1800" kern="1200" dirty="0">
+                        <a:solidFill>
+                          <a:schemeClr val="dk1"/>
+                        </a:solidFill>
+                        <a:latin typeface="+mn-lt"/>
+                        <a:ea typeface="+mn-ea"/>
+                        <a:cs typeface="+mn-cs"/>
+                      </a:endParaRPr>
+                    </a:p>
+                  </a:txBody>
+                  <a:tcPr/>
+                </a:tc>
+                <a:extLst>
+                  <a:ext uri="{0D108BD9-81ED-4DB2-BD59-A6C34878D82A}">
+                    <a16:rowId xmlns:a16="http://schemas.microsoft.com/office/drawing/2014/main" val="3872644285"/>
+                  </a:ext>
+                </a:extLst>
+              </a:tr>
+            </a:tbl>
+          </a:graphicData>
+        </a:graphic>
+      </p:graphicFrame>
+    </p:spTree>
+    <p:extLst>
+      <p:ext uri="{BB962C8B-B14F-4D97-AF65-F5344CB8AC3E}">
+        <p14:creationId xmlns:p14="http://schemas.microsoft.com/office/powerpoint/2010/main" val="1247300930"/>
+      </p:ext>
+    </p:extLst>
+  </p:cSld>
+  <p:clrMapOvr>
+    <a:masterClrMapping/>
+  </p:clrMapOvr>
+</p:sld>
+</file>
+
+<file path=ppt/slides/slide9.xml><?xml version="1.0" encoding="utf-8"?>
+<p:sld xmlns:a="http://schemas.openxmlformats.org/drawingml/2006/main" xmlns:r="http://schemas.openxmlformats.org/officeDocument/2006/relationships" xmlns:p="http://schemas.openxmlformats.org/presentationml/2006/main">
+  <p:cSld>
+    <p:spTree>
+      <p:nvGrpSpPr>
+        <p:cNvPr id="1" name=""/>
+        <p:cNvGrpSpPr/>
+        <p:nvPr/>
+      </p:nvGrpSpPr>
+      <p:grpSpPr>
+        <a:xfrm>
+          <a:off x="0" y="0"/>
+          <a:ext cx="0" cy="0"/>
+          <a:chOff x="0" y="0"/>
+          <a:chExt cx="0" cy="0"/>
+        </a:xfrm>
+      </p:grpSpPr>
+      <p:sp>
+        <p:nvSpPr>
+          <p:cNvPr id="2" name="Title 1">
+            <a:extLst>
+              <a:ext uri="{FF2B5EF4-FFF2-40B4-BE49-F238E27FC236}">
+                <a16:creationId xmlns:a16="http://schemas.microsoft.com/office/drawing/2014/main" id="{F50A4ACC-693B-1FFE-2B19-9E7107D42BC1}"/>
+              </a:ext>
+            </a:extLst>
+          </p:cNvPr>
+          <p:cNvSpPr>
+            <a:spLocks noGrp="1"/>
+          </p:cNvSpPr>
+          <p:nvPr>
+            <p:ph type="title"/>
+          </p:nvPr>
+        </p:nvSpPr>
+        <p:spPr/>
+        <p:txBody>
+          <a:bodyPr/>
+          <a:lstStyle/>
+          <a:p>
+            <a:r>
+              <a:rPr lang="ru-RU" dirty="0"/>
+              <a:t>Логистическая регрессия – финальная версия</a:t>
             </a:r>
           </a:p>
         </p:txBody>
@@ -7408,7 +8283,7 @@
           <p:cNvPr id="3" name="Content Placeholder 2">
             <a:extLst>
               <a:ext uri="{FF2B5EF4-FFF2-40B4-BE49-F238E27FC236}">
-                <a16:creationId xmlns:a16="http://schemas.microsoft.com/office/drawing/2014/main" id="{73367271-E6C6-757B-4AA3-5354C0E6002B}"/>
+                <a16:creationId xmlns:a16="http://schemas.microsoft.com/office/drawing/2014/main" id="{80F32030-DA0A-CA52-F08D-F86182337D67}"/>
               </a:ext>
             </a:extLst>
           </p:cNvPr>
@@ -7421,23 +8296,190 @@
         </p:nvSpPr>
         <p:spPr/>
         <p:txBody>
-          <a:bodyPr/>
+          <a:bodyPr>
+            <a:normAutofit/>
+          </a:bodyPr>
           <a:lstStyle/>
           <a:p>
             <a:r>
-              <a:rPr lang="en-US" dirty="0">
-                <a:hlinkClick r:id="rId2"/>
+              <a:rPr lang="en-US" dirty="0"/>
+              <a:t>Key features</a:t>
+            </a:r>
+            <a:r>
+              <a:rPr lang="ru-RU" dirty="0"/>
+              <a:t>:</a:t>
+            </a:r>
+          </a:p>
+          <a:p>
+            <a:pPr lvl="1"/>
+            <a:r>
+              <a:rPr lang="en-US" dirty="0"/>
+              <a:t>orders [‘items.id’]</a:t>
+            </a:r>
+          </a:p>
+          <a:p>
+            <a:pPr lvl="1"/>
+            <a:r>
+              <a:rPr lang="en-US" dirty="0"/>
+              <a:t>site-meta ['site-id’]</a:t>
+            </a:r>
+            <a:r>
+              <a:rPr lang="en-US" sz="2200" kern="1200" dirty="0">
+                <a:solidFill>
+                  <a:schemeClr val="dk1"/>
+                </a:solidFill>
+                <a:latin typeface="+mn-lt"/>
+                <a:ea typeface="+mn-ea"/>
+                <a:cs typeface="+mn-cs"/>
               </a:rPr>
-              <a:t>https://github.com/loseff-n/flocktory</a:t>
+              <a:t>.</a:t>
+            </a:r>
+            <a:endParaRPr lang="ru-RU" sz="2200" kern="1200" dirty="0">
+              <a:solidFill>
+                <a:schemeClr val="dk1"/>
+              </a:solidFill>
+              <a:latin typeface="+mn-lt"/>
+              <a:ea typeface="+mn-ea"/>
+              <a:cs typeface="+mn-cs"/>
+            </a:endParaRPr>
+          </a:p>
+          <a:p>
+            <a:r>
+              <a:rPr lang="ru-RU" dirty="0"/>
+              <a:t>Метод расчета входных данных:</a:t>
+            </a:r>
+          </a:p>
+          <a:p>
+            <a:pPr lvl="1"/>
+            <a:r>
+              <a:rPr lang="ru-RU" dirty="0" err="1"/>
+              <a:t>Парсинг</a:t>
+            </a:r>
+            <a:r>
+              <a:rPr lang="ru-RU" dirty="0"/>
+              <a:t> </a:t>
+            </a:r>
+            <a:r>
+              <a:rPr lang="en-US" dirty="0"/>
+              <a:t>key features - </a:t>
+            </a:r>
+            <a:r>
+              <a:rPr lang="en-US" dirty="0" err="1"/>
+              <a:t>RegEx</a:t>
+            </a:r>
+            <a:endParaRPr lang="en-US" dirty="0"/>
+          </a:p>
+          <a:p>
+            <a:pPr lvl="1"/>
+            <a:r>
+              <a:rPr lang="ru-RU" dirty="0"/>
+              <a:t>Расчет </a:t>
+            </a:r>
+            <a:r>
+              <a:rPr lang="en-US" dirty="0" err="1"/>
+              <a:t>sex_score</a:t>
+            </a:r>
+            <a:r>
+              <a:rPr lang="en-US" dirty="0"/>
+              <a:t> </a:t>
+            </a:r>
+            <a:r>
+              <a:rPr lang="ru-RU" dirty="0"/>
+              <a:t>для</a:t>
+            </a:r>
+            <a:r>
+              <a:rPr lang="en-US" dirty="0"/>
+              <a:t> key features</a:t>
+            </a:r>
+            <a:r>
+              <a:rPr lang="ru-RU" dirty="0"/>
+              <a:t> </a:t>
+            </a:r>
+          </a:p>
+          <a:p>
+            <a:pPr marL="457200" lvl="1" indent="0">
+              <a:buNone/>
+            </a:pPr>
+            <a:r>
+              <a:rPr lang="ru-RU" dirty="0"/>
+              <a:t>(доля женщин среди выбравших)</a:t>
+            </a:r>
+            <a:endParaRPr lang="en-US" dirty="0"/>
+          </a:p>
+          <a:p>
+            <a:pPr lvl="1"/>
+            <a:r>
+              <a:rPr lang="ru-RU" dirty="0"/>
+              <a:t>Построение модели на </a:t>
+            </a:r>
+            <a:r>
+              <a:rPr lang="en-US" dirty="0" err="1"/>
+              <a:t>sex_scores</a:t>
             </a:r>
             <a:endParaRPr lang="ru-RU" dirty="0"/>
           </a:p>
-        </p:txBody>
-      </p:sp>
+          <a:p>
+            <a:r>
+              <a:rPr lang="ru-RU" dirty="0"/>
+              <a:t>Достоинства:</a:t>
+            </a:r>
+          </a:p>
+          <a:p>
+            <a:pPr lvl="1"/>
+            <a:r>
+              <a:rPr lang="ru-RU" dirty="0"/>
+              <a:t>Очень быстрый расчет</a:t>
+            </a:r>
+          </a:p>
+          <a:p>
+            <a:pPr lvl="1"/>
+            <a:r>
+              <a:rPr lang="ru-RU" dirty="0"/>
+              <a:t>Высокая точность предсказаний</a:t>
+            </a:r>
+          </a:p>
+          <a:p>
+            <a:pPr marL="457200" lvl="1" indent="0">
+              <a:buNone/>
+            </a:pPr>
+            <a:endParaRPr lang="ru-RU" dirty="0"/>
+          </a:p>
+        </p:txBody>
+      </p:sp>
+      <p:pic>
+        <p:nvPicPr>
+          <p:cNvPr id="5" name="Picture 4">
+            <a:extLst>
+              <a:ext uri="{FF2B5EF4-FFF2-40B4-BE49-F238E27FC236}">
+                <a16:creationId xmlns:a16="http://schemas.microsoft.com/office/drawing/2014/main" id="{BA9BF8D0-5E51-7E91-C8DE-501C0F871B91}"/>
+              </a:ext>
+            </a:extLst>
+          </p:cNvPr>
+          <p:cNvPicPr>
+            <a:picLocks noChangeAspect="1"/>
+          </p:cNvPicPr>
+          <p:nvPr/>
+        </p:nvPicPr>
+        <p:blipFill>
+          <a:blip r:embed="rId2"/>
+          <a:stretch>
+            <a:fillRect/>
+          </a:stretch>
+        </p:blipFill>
+        <p:spPr>
+          <a:xfrm>
+            <a:off x="6624918" y="2606936"/>
+            <a:ext cx="4881282" cy="2901462"/>
+          </a:xfrm>
+          <a:prstGeom prst="rect">
+            <a:avLst/>
+          </a:prstGeom>
+        </p:spPr>
+      </p:pic>
     </p:spTree>
     <p:extLst>
       <p:ext uri="{BB962C8B-B14F-4D97-AF65-F5344CB8AC3E}">
-        <p14:creationId xmlns:p14="http://schemas.microsoft.com/office/powerpoint/2010/main" val="875740962"/>
+        <p14:creationId xmlns:p14="http://schemas.microsoft.com/office/powerpoint/2010/main" val="2756122649"/>
       </p:ext>
     </p:extLst>
   </p:cSld>

--- a/flocktory.pptx
+++ b/flocktory.pptx
@@ -14,8 +14,9 @@
     <p:sldId id="266" r:id="rId8"/>
     <p:sldId id="265" r:id="rId9"/>
     <p:sldId id="264" r:id="rId10"/>
-    <p:sldId id="267" r:id="rId11"/>
-    <p:sldId id="262" r:id="rId12"/>
+    <p:sldId id="268" r:id="rId11"/>
+    <p:sldId id="267" r:id="rId12"/>
+    <p:sldId id="262" r:id="rId13"/>
   </p:sldIdLst>
   <p:sldSz cx="12192000" cy="6858000"/>
   <p:notesSz cx="6858000" cy="9144000"/>
@@ -5798,6 +5799,162 @@
           <a:p>
             <a:r>
               <a:rPr lang="ru-RU" dirty="0"/>
+              <a:t>Логистическая регрессия (2)</a:t>
+            </a:r>
+          </a:p>
+        </p:txBody>
+      </p:sp>
+      <p:sp>
+        <p:nvSpPr>
+          <p:cNvPr id="3" name="Content Placeholder 2">
+            <a:extLst>
+              <a:ext uri="{FF2B5EF4-FFF2-40B4-BE49-F238E27FC236}">
+                <a16:creationId xmlns:a16="http://schemas.microsoft.com/office/drawing/2014/main" id="{80F32030-DA0A-CA52-F08D-F86182337D67}"/>
+              </a:ext>
+            </a:extLst>
+          </p:cNvPr>
+          <p:cNvSpPr>
+            <a:spLocks noGrp="1"/>
+          </p:cNvSpPr>
+          <p:nvPr>
+            <p:ph idx="1"/>
+          </p:nvPr>
+        </p:nvSpPr>
+        <p:spPr/>
+        <p:txBody>
+          <a:bodyPr>
+            <a:normAutofit/>
+          </a:bodyPr>
+          <a:lstStyle/>
+          <a:p>
+            <a:r>
+              <a:rPr lang="en-US" dirty="0"/>
+              <a:t>Key features</a:t>
+            </a:r>
+            <a:r>
+              <a:rPr lang="ru-RU" dirty="0"/>
+              <a:t>:</a:t>
+            </a:r>
+          </a:p>
+          <a:p>
+            <a:pPr lvl="1"/>
+            <a:r>
+              <a:rPr lang="en-US" dirty="0"/>
+              <a:t>orders [‘</a:t>
+            </a:r>
+            <a:r>
+              <a:rPr lang="en-US" dirty="0" err="1"/>
+              <a:t>items.brand</a:t>
+            </a:r>
+            <a:r>
+              <a:rPr lang="en-US" dirty="0"/>
+              <a:t>-id’]</a:t>
+            </a:r>
+          </a:p>
+          <a:p>
+            <a:pPr lvl="1"/>
+            <a:r>
+              <a:rPr lang="en-US" dirty="0"/>
+              <a:t>site-meta ['site-id’]</a:t>
+            </a:r>
+            <a:r>
+              <a:rPr lang="en-US" sz="2200" kern="1200" dirty="0">
+                <a:solidFill>
+                  <a:schemeClr val="dk1"/>
+                </a:solidFill>
+                <a:latin typeface="+mn-lt"/>
+                <a:ea typeface="+mn-ea"/>
+                <a:cs typeface="+mn-cs"/>
+              </a:rPr>
+              <a:t>.</a:t>
+            </a:r>
+            <a:endParaRPr lang="ru-RU" dirty="0"/>
+          </a:p>
+        </p:txBody>
+      </p:sp>
+      <p:pic>
+        <p:nvPicPr>
+          <p:cNvPr id="7" name="Picture 6">
+            <a:extLst>
+              <a:ext uri="{FF2B5EF4-FFF2-40B4-BE49-F238E27FC236}">
+                <a16:creationId xmlns:a16="http://schemas.microsoft.com/office/drawing/2014/main" id="{D5D30DFC-BC40-46D1-A8A3-EDCBE61C6BE0}"/>
+              </a:ext>
+            </a:extLst>
+          </p:cNvPr>
+          <p:cNvPicPr>
+            <a:picLocks noChangeAspect="1"/>
+          </p:cNvPicPr>
+          <p:nvPr/>
+        </p:nvPicPr>
+        <p:blipFill>
+          <a:blip r:embed="rId2"/>
+          <a:stretch>
+            <a:fillRect/>
+          </a:stretch>
+        </p:blipFill>
+        <p:spPr>
+          <a:xfrm>
+            <a:off x="774700" y="3771900"/>
+            <a:ext cx="4665790" cy="2168607"/>
+          </a:xfrm>
+          <a:prstGeom prst="rect">
+            <a:avLst/>
+          </a:prstGeom>
+        </p:spPr>
+      </p:pic>
+    </p:spTree>
+    <p:extLst>
+      <p:ext uri="{BB962C8B-B14F-4D97-AF65-F5344CB8AC3E}">
+        <p14:creationId xmlns:p14="http://schemas.microsoft.com/office/powerpoint/2010/main" val="1185372809"/>
+      </p:ext>
+    </p:extLst>
+  </p:cSld>
+  <p:clrMapOvr>
+    <a:masterClrMapping/>
+  </p:clrMapOvr>
+</p:sld>
+</file>
+
+<file path=ppt/slides/slide11.xml><?xml version="1.0" encoding="utf-8"?>
+<p:sld xmlns:a="http://schemas.openxmlformats.org/drawingml/2006/main" xmlns:r="http://schemas.openxmlformats.org/officeDocument/2006/relationships" xmlns:p="http://schemas.openxmlformats.org/presentationml/2006/main">
+  <p:cSld>
+    <p:spTree>
+      <p:nvGrpSpPr>
+        <p:cNvPr id="1" name=""/>
+        <p:cNvGrpSpPr/>
+        <p:nvPr/>
+      </p:nvGrpSpPr>
+      <p:grpSpPr>
+        <a:xfrm>
+          <a:off x="0" y="0"/>
+          <a:ext cx="0" cy="0"/>
+          <a:chOff x="0" y="0"/>
+          <a:chExt cx="0" cy="0"/>
+        </a:xfrm>
+      </p:grpSpPr>
+      <p:sp>
+        <p:nvSpPr>
+          <p:cNvPr id="2" name="Title 1">
+            <a:extLst>
+              <a:ext uri="{FF2B5EF4-FFF2-40B4-BE49-F238E27FC236}">
+                <a16:creationId xmlns:a16="http://schemas.microsoft.com/office/drawing/2014/main" id="{F50A4ACC-693B-1FFE-2B19-9E7107D42BC1}"/>
+              </a:ext>
+            </a:extLst>
+          </p:cNvPr>
+          <p:cNvSpPr>
+            <a:spLocks noGrp="1"/>
+          </p:cNvSpPr>
+          <p:nvPr>
+            <p:ph type="title"/>
+          </p:nvPr>
+        </p:nvSpPr>
+        <p:spPr/>
+        <p:txBody>
+          <a:bodyPr/>
+          <a:lstStyle/>
+          <a:p>
+            <a:r>
+              <a:rPr lang="ru-RU" dirty="0"/>
               <a:t>Нейронная сеть</a:t>
             </a:r>
           </a:p>
@@ -5865,7 +6022,7 @@
 </p:sld>
 </file>
 
-<file path=ppt/slides/slide11.xml><?xml version="1.0" encoding="utf-8"?>
+<file path=ppt/slides/slide12.xml><?xml version="1.0" encoding="utf-8"?>
 <p:sld xmlns:a="http://schemas.openxmlformats.org/drawingml/2006/main" xmlns:r="http://schemas.openxmlformats.org/officeDocument/2006/relationships" xmlns:p="http://schemas.openxmlformats.org/presentationml/2006/main">
   <p:cSld>
     <p:spTree>
@@ -8273,7 +8430,7 @@
           <a:p>
             <a:r>
               <a:rPr lang="ru-RU" dirty="0"/>
-              <a:t>Логистическая регрессия – финальная версия</a:t>
+              <a:t>Логистическая регрессия (1)</a:t>
             </a:r>
           </a:p>
         </p:txBody>
@@ -8468,8 +8625,38 @@
         </p:blipFill>
         <p:spPr>
           <a:xfrm>
-            <a:off x="6624918" y="2606936"/>
-            <a:ext cx="4881282" cy="2901462"/>
+            <a:off x="7549114" y="2259487"/>
+            <a:ext cx="3275768" cy="1947135"/>
+          </a:xfrm>
+          <a:prstGeom prst="rect">
+            <a:avLst/>
+          </a:prstGeom>
+        </p:spPr>
+      </p:pic>
+      <p:pic>
+        <p:nvPicPr>
+          <p:cNvPr id="6" name="Picture 5">
+            <a:extLst>
+              <a:ext uri="{FF2B5EF4-FFF2-40B4-BE49-F238E27FC236}">
+                <a16:creationId xmlns:a16="http://schemas.microsoft.com/office/drawing/2014/main" id="{6508B698-1CDE-D818-3E29-1A0D5CA6494D}"/>
+              </a:ext>
+            </a:extLst>
+          </p:cNvPr>
+          <p:cNvPicPr>
+            <a:picLocks noChangeAspect="1"/>
+          </p:cNvPicPr>
+          <p:nvPr/>
+        </p:nvPicPr>
+        <p:blipFill>
+          <a:blip r:embed="rId3"/>
+          <a:stretch>
+            <a:fillRect/>
+          </a:stretch>
+        </p:blipFill>
+        <p:spPr>
+          <a:xfrm>
+            <a:off x="7596932" y="4408709"/>
+            <a:ext cx="3227950" cy="1947135"/>
           </a:xfrm>
           <a:prstGeom prst="rect">
             <a:avLst/>
